--- a/583 - Let Us Shake Off the Coals.pptx
+++ b/583 - Let Us Shake Off the Coals.pptx
@@ -3317,7 +3317,23 @@
                   <a:schemeClr val="bg1"/>
                 </a:solidFill>
               </a:rPr>
-              <a:t>Let us waken out songs in the morning</a:t>
+              <a:t>Let us </a:t>
+            </a:r>
+            <a:r>
+              <a:rPr lang="en-US" sz="3600">
+                <a:solidFill>
+                  <a:schemeClr val="bg1"/>
+                </a:solidFill>
+              </a:rPr>
+              <a:t>waken our </a:t>
+            </a:r>
+            <a:r>
+              <a:rPr lang="en-US" sz="3600" dirty="0">
+                <a:solidFill>
+                  <a:schemeClr val="bg1"/>
+                </a:solidFill>
+              </a:rPr>
+              <a:t>songs in the morning</a:t>
             </a:r>
           </a:p>
           <a:p>
